--- a/내려내려 with spring boot/data to/Data Flow.pptx.pptx
+++ b/내려내려 with spring boot/data to/Data Flow.pptx.pptx
@@ -2,7 +2,7 @@
 <file path=ppt/presentation.xml><?xml version="1.0" encoding="utf-8"?>
 <p:presentation xmlns:r="http://schemas.openxmlformats.org/officeDocument/2006/relationships" xmlns:c="http://schemas.openxmlformats.org/drawingml/2006/chart" xmlns:a="http://schemas.openxmlformats.org/drawingml/2006/main" xmlns:dgm="http://schemas.openxmlformats.org/drawingml/2006/diagram" xmlns:dsp="http://schemas.microsoft.com/office/drawing/2008/diagram" xmlns:p="http://schemas.openxmlformats.org/presentationml/2006/main" saveSubsetFonts="1">
   <p:sldMasterIdLst>
-    <p:sldMasterId id="2147483719" r:id="rId1"/>
+    <p:sldMasterId id="2147483723" r:id="rId1"/>
   </p:sldMasterIdLst>
   <p:notesMasterIdLst>
     <p:notesMasterId r:id="rId2"/>
@@ -18,6 +18,7 @@
     <p:sldId id="260" r:id="rId8"/>
     <p:sldId id="261" r:id="rId9"/>
     <p:sldId id="262" r:id="rId10"/>
+    <p:sldId id="263" r:id="rId11"/>
   </p:sldIdLst>
   <p:sldSz cx="9144000" cy="6858000" type="screen4x3"/>
   <p:notesSz cx="6858000" cy="9144000"/>
@@ -220,7 +221,7 @@
               <a:pPr lvl="0">
                 <a:defRPr lang="ko-KR" altLang="en-US"/>
               </a:pPr>
-              <a:t>2019-04-02</a:t>
+              <a:t>2019-04-04</a:t>
             </a:fld>
             <a:endParaRPr lang="ko-KR" altLang="en-US"/>
           </a:p>
@@ -406,7 +407,7 @@
               <a:pPr lvl="0">
                 <a:defRPr lang="ko-KR" altLang="en-US"/>
               </a:pPr>
-              <a:t>2019-04-02</a:t>
+              <a:t>2019-04-04</a:t>
             </a:fld>
             <a:endParaRPr lang="ko-KR" altLang="en-US"/>
           </a:p>
@@ -807,6 +808,121 @@
                 <a:defRPr lang="ko-KR" altLang="en-US"/>
               </a:pPr>
               <a:t>6</a:t>
+            </a:fld>
+            <a:endParaRPr lang="en-US" altLang="en-US"/>
+          </a:p>
+        </p:txBody>
+      </p:sp>
+    </p:spTree>
+  </p:cSld>
+</p:notes>
+</file>
+
+<file path=ppt/notesSlides/notesSlide2.xml><?xml version="1.0" encoding="utf-8"?>
+<p:notes xmlns:r="http://schemas.openxmlformats.org/officeDocument/2006/relationships" xmlns:c="http://schemas.openxmlformats.org/drawingml/2006/chart" xmlns:a="http://schemas.openxmlformats.org/drawingml/2006/main" xmlns:dgm="http://schemas.openxmlformats.org/drawingml/2006/diagram" xmlns:dsp="http://schemas.microsoft.com/office/drawing/2008/diagram" xmlns:p="http://schemas.openxmlformats.org/presentationml/2006/main">
+  <p:cSld>
+    <p:spTree>
+      <p:nvGrpSpPr>
+        <p:cNvPr id="1" name=""/>
+        <p:cNvGrpSpPr/>
+        <p:nvPr/>
+      </p:nvGrpSpPr>
+      <p:grpSpPr>
+        <a:xfrm>
+          <a:off x="0" y="0"/>
+          <a:ext cx="0" cy="0"/>
+          <a:chOff x="0" y="0"/>
+          <a:chExt cx="0" cy="0"/>
+        </a:xfrm>
+      </p:grpSpPr>
+      <p:sp>
+        <p:nvSpPr>
+          <p:cNvPr id="2" name="슬라이드 이미지 개체 틀 3"/>
+          <p:cNvSpPr>
+            <a:spLocks noGrp="1" noRot="1" noChangeAspect="1" noTextEdit="1"/>
+          </p:cNvSpPr>
+          <p:nvPr>
+            <p:ph type="sldImg" idx="2"/>
+          </p:nvPr>
+        </p:nvSpPr>
+        <p:spPr/>
+        <p:txBody>
+          <a:bodyPr/>
+          <a:lstStyle/>
+          <a:p>
+            <a:pPr>
+              <a:defRPr lang="ko-KR" altLang="en-US"/>
+            </a:pPr>
+            <a:endParaRPr lang="ko-KR" altLang="en-US"/>
+          </a:p>
+        </p:txBody>
+      </p:sp>
+      <p:sp>
+        <p:nvSpPr>
+          <p:cNvPr id="3" name="슬라이드 노트 개체 틀 4"/>
+          <p:cNvSpPr>
+            <a:spLocks noGrp="1"/>
+          </p:cNvSpPr>
+          <p:nvPr>
+            <p:ph type="body" sz="quarter" idx="3"/>
+          </p:nvPr>
+        </p:nvSpPr>
+        <p:spPr/>
+        <p:txBody>
+          <a:bodyPr/>
+          <a:lstStyle/>
+          <a:p>
+            <a:pPr>
+              <a:defRPr lang="ko-KR" altLang="en-US"/>
+            </a:pPr>
+            <a:r>
+              <a:rPr lang="ko-KR" altLang="en-US"/>
+              <a:t>참조 </a:t>
+            </a:r>
+            <a:endParaRPr lang="ko-KR" altLang="en-US"/>
+          </a:p>
+          <a:p>
+            <a:pPr>
+              <a:defRPr lang="ko-KR" altLang="en-US"/>
+            </a:pPr>
+            <a:r>
+              <a:rPr lang="ko-KR" altLang="en-US"/>
+              <a:t>https://installed.tistory.com/entry/8-JSP-%ED%8A%B9%EC%A0%95%ED%8E%98%EC%9D%B4%EC%A7%80%EB%A1%9C-%EC%9D%B4%EB%8F%99%EB%B0%A9%EB%B2%95</a:t>
+            </a:r>
+            <a:endParaRPr lang="ko-KR" altLang="en-US"/>
+          </a:p>
+          <a:p>
+            <a:pPr>
+              <a:defRPr lang="ko-KR" altLang="en-US"/>
+            </a:pPr>
+            <a:endParaRPr lang="ko-KR" altLang="en-US"/>
+          </a:p>
+        </p:txBody>
+      </p:sp>
+      <p:sp>
+        <p:nvSpPr>
+          <p:cNvPr id="4" name="슬라이드 번호 개체 틀 6"/>
+          <p:cNvSpPr>
+            <a:spLocks noGrp="1"/>
+          </p:cNvSpPr>
+          <p:nvPr>
+            <p:ph type="sldNum" sz="quarter" idx="5"/>
+          </p:nvPr>
+        </p:nvSpPr>
+        <p:spPr/>
+        <p:txBody>
+          <a:bodyPr/>
+          <a:lstStyle/>
+          <a:p>
+            <a:pPr lvl="0">
+              <a:defRPr lang="ko-KR" altLang="en-US"/>
+            </a:pPr>
+            <a:fld id="{09F4262C-968C-4EE9-8164-CE16364706B3}" type="slidenum">
+              <a:rPr lang="en-US" altLang="en-US"/>
+              <a:pPr lvl="0">
+                <a:defRPr lang="ko-KR" altLang="en-US"/>
+              </a:pPr>
+              <a:t>7</a:t>
             </a:fld>
             <a:endParaRPr lang="en-US" altLang="en-US"/>
           </a:p>
@@ -5628,7 +5744,7 @@
               <a:rPr lang="ko-KR" altLang="en-US" sz="1200" u="sng"/>
               <a:t>이 변경되지 않는다</a:t>
             </a:r>
-            <a:endParaRPr lang="ko-KR" altLang="en-US" sz="1200"/>
+            <a:endParaRPr lang="ko-KR" altLang="en-US" sz="1200" u="sng"/>
           </a:p>
           <a:p>
             <a:pPr>
@@ -5920,6 +6036,233 @@
           </a:prstGeom>
         </p:spPr>
       </p:pic>
+      <p:sp>
+        <p:nvSpPr>
+          <p:cNvPr id="26" name=""/>
+          <p:cNvSpPr/>
+          <p:nvPr/>
+        </p:nvSpPr>
+        <p:spPr>
+          <a:xfrm>
+            <a:off x="9396603" y="418338"/>
+            <a:ext cx="3888486" cy="2866644"/>
+          </a:xfrm>
+          <a:prstGeom prst="rect">
+            <a:avLst/>
+          </a:prstGeom>
+          <a:solidFill>
+            <a:schemeClr val="bg1"/>
+          </a:solidFill>
+        </p:spPr>
+        <p:style>
+          <a:lnRef idx="2">
+            <a:schemeClr val="accent1">
+              <a:shade val="20000"/>
+            </a:schemeClr>
+          </a:lnRef>
+          <a:fillRef idx="1">
+            <a:schemeClr val="accent1"/>
+          </a:fillRef>
+          <a:effectRef idx="0">
+            <a:schemeClr val="accent1"/>
+          </a:effectRef>
+          <a:fontRef idx="minor">
+            <a:schemeClr val="lt1"/>
+          </a:fontRef>
+        </p:style>
+        <p:txBody>
+          <a:bodyPr vert="horz" wrap="square" lIns="91440" tIns="45720" rIns="91440" bIns="45720" anchor="ctr">
+            <a:noAutofit/>
+          </a:bodyPr>
+          <a:lstStyle/>
+          <a:p>
+            <a:pPr>
+              <a:defRPr lang="ko-KR" altLang="en-US"/>
+            </a:pPr>
+            <a:r>
+              <a:rPr lang="en-US" altLang="ko-KR" sz="1600">
+                <a:solidFill>
+                  <a:schemeClr val="tx1"/>
+                </a:solidFill>
+              </a:rPr>
+              <a:t>request.setParameter()</a:t>
+            </a:r>
+            <a:r>
+              <a:rPr lang="ko-KR" altLang="en-US" sz="1600">
+                <a:solidFill>
+                  <a:schemeClr val="tx1"/>
+                </a:solidFill>
+              </a:rPr>
+              <a:t>;  존재하지 않음</a:t>
+            </a:r>
+            <a:endParaRPr lang="ko-KR" altLang="en-US" sz="1600">
+              <a:solidFill>
+                <a:schemeClr val="tx1"/>
+              </a:solidFill>
+            </a:endParaRPr>
+          </a:p>
+          <a:p>
+            <a:pPr>
+              <a:defRPr lang="ko-KR" altLang="en-US"/>
+            </a:pPr>
+            <a:r>
+              <a:rPr lang="en-US" altLang="ko-KR" sz="1600">
+                <a:solidFill>
+                  <a:schemeClr val="tx1"/>
+                </a:solidFill>
+              </a:rPr>
+              <a:t>request.getParameter("</a:t>
+            </a:r>
+            <a:r>
+              <a:rPr lang="ko-KR" altLang="en-US" sz="1600">
+                <a:solidFill>
+                  <a:schemeClr val="tx1"/>
+                </a:solidFill>
+              </a:rPr>
+              <a:t>변수명") 은</a:t>
+            </a:r>
+            <a:endParaRPr lang="ko-KR" altLang="en-US" sz="1600">
+              <a:solidFill>
+                <a:schemeClr val="tx1"/>
+              </a:solidFill>
+            </a:endParaRPr>
+          </a:p>
+          <a:p>
+            <a:pPr>
+              <a:defRPr lang="ko-KR" altLang="en-US"/>
+            </a:pPr>
+            <a:r>
+              <a:rPr lang="en-US" altLang="ko-KR" sz="1600">
+                <a:solidFill>
+                  <a:schemeClr val="tx1"/>
+                </a:solidFill>
+              </a:rPr>
+              <a:t>String </a:t>
+            </a:r>
+            <a:r>
+              <a:rPr lang="ko-KR" altLang="en-US" sz="1600">
+                <a:solidFill>
+                  <a:schemeClr val="tx1"/>
+                </a:solidFill>
+              </a:rPr>
+              <a:t>형을 반환해준다.</a:t>
+            </a:r>
+            <a:endParaRPr lang="ko-KR" altLang="en-US" sz="1600">
+              <a:solidFill>
+                <a:schemeClr val="tx1"/>
+              </a:solidFill>
+            </a:endParaRPr>
+          </a:p>
+          <a:p>
+            <a:pPr>
+              <a:defRPr lang="ko-KR" altLang="en-US"/>
+            </a:pPr>
+            <a:endParaRPr lang="ko-KR" altLang="en-US" sz="1600">
+              <a:solidFill>
+                <a:schemeClr val="tx1"/>
+              </a:solidFill>
+            </a:endParaRPr>
+          </a:p>
+          <a:p>
+            <a:pPr>
+              <a:defRPr lang="ko-KR" altLang="en-US"/>
+            </a:pPr>
+            <a:r>
+              <a:rPr lang="en-US" altLang="ko-KR" sz="1600">
+                <a:solidFill>
+                  <a:schemeClr val="tx1"/>
+                </a:solidFill>
+              </a:rPr>
+              <a:t>request.setAttribute("</a:t>
+            </a:r>
+            <a:r>
+              <a:rPr lang="ko-KR" altLang="en-US" sz="1600">
+                <a:solidFill>
+                  <a:schemeClr val="tx1"/>
+                </a:solidFill>
+              </a:rPr>
+              <a:t>변수명", 객체);</a:t>
+            </a:r>
+            <a:endParaRPr lang="ko-KR" altLang="en-US" sz="1600">
+              <a:solidFill>
+                <a:schemeClr val="tx1"/>
+              </a:solidFill>
+            </a:endParaRPr>
+          </a:p>
+          <a:p>
+            <a:pPr>
+              <a:defRPr lang="ko-KR" altLang="en-US"/>
+            </a:pPr>
+            <a:endParaRPr lang="ko-KR" altLang="en-US" sz="1600">
+              <a:solidFill>
+                <a:schemeClr val="tx1"/>
+              </a:solidFill>
+            </a:endParaRPr>
+          </a:p>
+          <a:p>
+            <a:pPr>
+              <a:defRPr lang="ko-KR" altLang="en-US"/>
+            </a:pPr>
+            <a:r>
+              <a:rPr lang="en-US" altLang="ko-KR" sz="1600">
+                <a:solidFill>
+                  <a:schemeClr val="tx1"/>
+                </a:solidFill>
+              </a:rPr>
+              <a:t>request.getAttribute("</a:t>
+            </a:r>
+            <a:r>
+              <a:rPr lang="ko-KR" altLang="en-US" sz="1600">
+                <a:solidFill>
+                  <a:schemeClr val="tx1"/>
+                </a:solidFill>
+              </a:rPr>
+              <a:t>변수명") 은</a:t>
+            </a:r>
+            <a:endParaRPr lang="ko-KR" altLang="en-US" sz="1600">
+              <a:solidFill>
+                <a:schemeClr val="tx1"/>
+              </a:solidFill>
+            </a:endParaRPr>
+          </a:p>
+          <a:p>
+            <a:pPr>
+              <a:defRPr lang="ko-KR" altLang="en-US"/>
+            </a:pPr>
+            <a:r>
+              <a:rPr lang="en-US" altLang="ko-KR" sz="1600">
+                <a:solidFill>
+                  <a:schemeClr val="tx1"/>
+                </a:solidFill>
+              </a:rPr>
+              <a:t>Object</a:t>
+            </a:r>
+            <a:r>
+              <a:rPr lang="ko-KR" altLang="en-US" sz="1600">
+                <a:solidFill>
+                  <a:schemeClr val="tx1"/>
+                </a:solidFill>
+              </a:rPr>
+              <a:t> 형을 반환하기 때문에 형변환必</a:t>
+            </a:r>
+            <a:endParaRPr lang="ko-KR" altLang="en-US" sz="1600">
+              <a:solidFill>
+                <a:schemeClr val="tx1"/>
+              </a:solidFill>
+            </a:endParaRPr>
+          </a:p>
+          <a:p>
+            <a:pPr>
+              <a:defRPr lang="ko-KR" altLang="en-US"/>
+            </a:pPr>
+            <a:endParaRPr lang="ko-KR" altLang="en-US" sz="1600">
+              <a:solidFill>
+                <a:schemeClr val="tx1"/>
+              </a:solidFill>
+            </a:endParaRPr>
+          </a:p>
+        </p:txBody>
+      </p:sp>
     </p:spTree>
   </p:cSld>
   <p:clrMapOvr>
@@ -5930,6 +6273,1029 @@
 </file>
 
 <file path=ppt/slides/slide7.xml><?xml version="1.0" encoding="utf-8"?>
+<p:sld xmlns:r="http://schemas.openxmlformats.org/officeDocument/2006/relationships" xmlns:c="http://schemas.openxmlformats.org/drawingml/2006/chart" xmlns:a="http://schemas.openxmlformats.org/drawingml/2006/main" xmlns:dgm="http://schemas.openxmlformats.org/drawingml/2006/diagram" xmlns:dsp="http://schemas.microsoft.com/office/drawing/2008/diagram" xmlns:p="http://schemas.openxmlformats.org/presentationml/2006/main">
+  <p:cSld>
+    <p:spTree>
+      <p:nvGrpSpPr>
+        <p:cNvPr id="1" name=""/>
+        <p:cNvGrpSpPr/>
+        <p:nvPr/>
+      </p:nvGrpSpPr>
+      <p:grpSpPr>
+        <a:xfrm>
+          <a:off x="0" y="0"/>
+          <a:ext cx="0" cy="0"/>
+          <a:chOff x="0" y="0"/>
+          <a:chExt cx="0" cy="0"/>
+        </a:xfrm>
+      </p:grpSpPr>
+      <p:sp>
+        <p:nvSpPr>
+          <p:cNvPr id="24" name=""/>
+          <p:cNvSpPr/>
+          <p:nvPr/>
+        </p:nvSpPr>
+        <p:spPr>
+          <a:xfrm>
+            <a:off x="-3852000" y="691200"/>
+            <a:ext cx="2808000" cy="1728000"/>
+          </a:xfrm>
+          <a:prstGeom prst="rect">
+            <a:avLst/>
+          </a:prstGeom>
+          <a:solidFill>
+            <a:schemeClr val="bg1"/>
+          </a:solidFill>
+        </p:spPr>
+        <p:style>
+          <a:lnRef idx="2">
+            <a:schemeClr val="accent1">
+              <a:shade val="20000"/>
+            </a:schemeClr>
+          </a:lnRef>
+          <a:fillRef idx="1">
+            <a:schemeClr val="accent1"/>
+          </a:fillRef>
+          <a:effectRef idx="0">
+            <a:schemeClr val="accent1"/>
+          </a:effectRef>
+          <a:fontRef idx="minor">
+            <a:schemeClr val="lt1"/>
+          </a:fontRef>
+        </p:style>
+        <p:txBody>
+          <a:bodyPr vert="horz" wrap="square" lIns="91440" tIns="45720" rIns="91440" bIns="45720" anchor="ctr">
+            <a:noAutofit/>
+          </a:bodyPr>
+          <a:p>
+            <a:pPr algn="ctr">
+              <a:defRPr lang="ko-KR" altLang="en-US"/>
+            </a:pPr>
+            <a:r>
+              <a:rPr lang="ko-KR" altLang="en-US" sz="1600">
+                <a:solidFill>
+                  <a:schemeClr val="tx1"/>
+                </a:solidFill>
+              </a:rPr>
+              <a:t>속성을 이용한 값 전달 방식은 </a:t>
+            </a:r>
+            <a:r>
+              <a:rPr lang="en-US" altLang="ko-KR" sz="1600">
+                <a:solidFill>
+                  <a:schemeClr val="tx1"/>
+                </a:solidFill>
+              </a:rPr>
+              <a:t>JSP</a:t>
+            </a:r>
+            <a:r>
+              <a:rPr lang="ko-KR" altLang="en-US" sz="1600">
+                <a:solidFill>
+                  <a:schemeClr val="tx1"/>
+                </a:solidFill>
+              </a:rPr>
+              <a:t>에서 가장 중요한 기법중 하나임</a:t>
+            </a:r>
+            <a:endParaRPr lang="ko-KR" altLang="en-US" sz="1600">
+              <a:solidFill>
+                <a:schemeClr val="tx1"/>
+              </a:solidFill>
+            </a:endParaRPr>
+          </a:p>
+          <a:p>
+            <a:pPr algn="ctr">
+              <a:defRPr lang="ko-KR" altLang="en-US"/>
+            </a:pPr>
+            <a:r>
+              <a:rPr lang="ko-KR" altLang="en-US" sz="1600">
+                <a:solidFill>
+                  <a:schemeClr val="tx1"/>
+                </a:solidFill>
+              </a:rPr>
+              <a:t>이 방식은 MVC패턴을 구현하는데 필수 요소이기 때문에 </a:t>
+            </a:r>
+            <a:endParaRPr lang="ko-KR" altLang="en-US" sz="1600">
+              <a:solidFill>
+                <a:schemeClr val="tx1"/>
+              </a:solidFill>
+            </a:endParaRPr>
+          </a:p>
+          <a:p>
+            <a:pPr algn="ctr">
+              <a:defRPr lang="ko-KR" altLang="en-US"/>
+            </a:pPr>
+            <a:r>
+              <a:rPr lang="ko-KR" altLang="en-US" sz="1600">
+                <a:solidFill>
+                  <a:schemeClr val="tx1"/>
+                </a:solidFill>
+              </a:rPr>
+              <a:t>잘 익혀두어야 함</a:t>
+            </a:r>
+            <a:endParaRPr lang="ko-KR" altLang="en-US" sz="1600">
+              <a:solidFill>
+                <a:schemeClr val="tx1"/>
+              </a:solidFill>
+            </a:endParaRPr>
+          </a:p>
+        </p:txBody>
+      </p:sp>
+      <p:sp>
+        <p:nvSpPr>
+          <p:cNvPr id="2" name="제목 1"/>
+          <p:cNvSpPr>
+            <a:spLocks noGrp="1"/>
+          </p:cNvSpPr>
+          <p:nvPr>
+            <p:ph type="title" idx="0"/>
+          </p:nvPr>
+        </p:nvSpPr>
+        <p:spPr>
+          <a:xfrm>
+            <a:off x="0" y="0"/>
+            <a:ext cx="9144000" cy="836676"/>
+          </a:xfrm>
+        </p:spPr>
+        <p:txBody>
+          <a:bodyPr/>
+          <a:lstStyle/>
+          <a:p>
+            <a:pPr>
+              <a:defRPr lang="ko-KR" altLang="en-US"/>
+            </a:pPr>
+            <a:r>
+              <a:rPr lang="en-US" altLang="ko-KR"/>
+              <a:t>session </a:t>
+            </a:r>
+            <a:r>
+              <a:rPr lang="ko-KR" altLang="en-US"/>
+              <a:t>방식</a:t>
+            </a:r>
+            <a:endParaRPr lang="ko-KR" altLang="en-US"/>
+          </a:p>
+        </p:txBody>
+      </p:sp>
+      <p:sp>
+        <p:nvSpPr>
+          <p:cNvPr id="3" name="내용 개체 틀 2"/>
+          <p:cNvSpPr>
+            <a:spLocks noGrp="1"/>
+          </p:cNvSpPr>
+          <p:nvPr>
+            <p:ph idx="1"/>
+          </p:nvPr>
+        </p:nvSpPr>
+        <p:spPr>
+          <a:xfrm>
+            <a:off x="3895724" y="4487036"/>
+            <a:ext cx="5248275" cy="2370963"/>
+          </a:xfrm>
+        </p:spPr>
+        <p:txBody>
+          <a:bodyPr>
+            <a:noAutofit/>
+          </a:bodyPr>
+          <a:lstStyle/>
+          <a:p>
+            <a:pPr>
+              <a:buNone/>
+              <a:defRPr lang="ko-KR" altLang="en-US"/>
+            </a:pPr>
+            <a:r>
+              <a:rPr lang="en-US" altLang="ko-KR" sz="1200"/>
+              <a:t>OtherLocation</a:t>
+            </a:r>
+            <a:r>
+              <a:rPr lang="ko-KR" altLang="en-US" sz="1200"/>
+              <a:t>는 단순히 </a:t>
+            </a:r>
+            <a:r>
+              <a:rPr lang="en-US" altLang="ko-KR" sz="1200"/>
+              <a:t>x,y</a:t>
+            </a:r>
+            <a:r>
+              <a:rPr lang="ko-KR" altLang="en-US" sz="1200"/>
+              <a:t> 좌표를 저장하는 클래스임</a:t>
+            </a:r>
+            <a:endParaRPr lang="ko-KR" altLang="en-US" sz="1200"/>
+          </a:p>
+          <a:p>
+            <a:pPr>
+              <a:buNone/>
+              <a:defRPr lang="ko-KR" altLang="en-US"/>
+            </a:pPr>
+            <a:r>
+              <a:rPr lang="en-US" altLang="ko-KR" sz="1200"/>
+              <a:t>request</a:t>
+            </a:r>
+            <a:r>
+              <a:rPr lang="ko-KR" altLang="en-US" sz="1200"/>
+              <a:t> 방식을 사용해서 </a:t>
+            </a:r>
+            <a:r>
+              <a:rPr lang="en-US" altLang="ko-KR" sz="1200"/>
+              <a:t>location</a:t>
+            </a:r>
+            <a:r>
+              <a:rPr lang="ko-KR" altLang="en-US" sz="1200"/>
+              <a:t>이라는 임의로 선언한 이름 하에</a:t>
+            </a:r>
+            <a:endParaRPr lang="ko-KR" altLang="en-US" sz="1200"/>
+          </a:p>
+          <a:p>
+            <a:pPr>
+              <a:buNone/>
+              <a:defRPr lang="ko-KR" altLang="en-US"/>
+            </a:pPr>
+            <a:r>
+              <a:rPr lang="ko-KR" altLang="en-US" sz="1200"/>
+              <a:t>다른 페이지로 인스턴스를 전달할 수 있다. </a:t>
+            </a:r>
+            <a:endParaRPr lang="ko-KR" altLang="en-US" sz="1200"/>
+          </a:p>
+          <a:p>
+            <a:pPr>
+              <a:buNone/>
+              <a:defRPr lang="ko-KR" altLang="en-US"/>
+            </a:pPr>
+            <a:r>
+              <a:rPr lang="ko-KR" altLang="en-US" sz="1200"/>
+              <a:t>다만 </a:t>
+            </a:r>
+            <a:r>
+              <a:rPr lang="en-US" altLang="ko-KR" sz="1200"/>
+              <a:t>String </a:t>
+            </a:r>
+            <a:r>
+              <a:rPr lang="ko-KR" altLang="en-US" sz="1200"/>
+              <a:t>형태의 필드들만 전달이 가능하다.</a:t>
+            </a:r>
+            <a:endParaRPr lang="ko-KR" altLang="en-US" sz="1200"/>
+          </a:p>
+          <a:p>
+            <a:pPr>
+              <a:buNone/>
+              <a:defRPr lang="ko-KR" altLang="en-US"/>
+            </a:pPr>
+            <a:r>
+              <a:rPr lang="en-US" altLang="ko-KR" sz="1200"/>
+              <a:t>⦁pageContext.forward("이동할페이지");</a:t>
+            </a:r>
+            <a:endParaRPr lang="en-US" altLang="ko-KR" sz="1200"/>
+          </a:p>
+          <a:p>
+            <a:pPr>
+              <a:buNone/>
+              <a:defRPr lang="ko-KR" altLang="en-US"/>
+            </a:pPr>
+            <a:r>
+              <a:rPr lang="ko-KR" altLang="en-US" sz="1200"/>
+              <a:t>   - </a:t>
+            </a:r>
+            <a:r>
+              <a:rPr lang="en-US" altLang="ko-KR" sz="1200"/>
+              <a:t>forward</a:t>
+            </a:r>
+            <a:r>
+              <a:rPr lang="ko-KR" altLang="en-US" sz="1200"/>
+              <a:t> 방식으로 페이지를 이동시키면 </a:t>
+            </a:r>
+            <a:r>
+              <a:rPr lang="en-US" altLang="ko-KR" sz="1200"/>
+              <a:t>request</a:t>
+            </a:r>
+            <a:r>
+              <a:rPr lang="ko-KR" altLang="en-US" sz="1200"/>
+              <a:t>가 유지되기 때문에 </a:t>
+            </a:r>
+            <a:endParaRPr lang="ko-KR" altLang="en-US" sz="1200"/>
+          </a:p>
+          <a:p>
+            <a:pPr>
+              <a:buNone/>
+              <a:defRPr lang="ko-KR" altLang="en-US"/>
+            </a:pPr>
+            <a:r>
+              <a:rPr lang="ko-KR" altLang="en-US" sz="1200"/>
+              <a:t>      값이 전달되지만 </a:t>
+            </a:r>
+            <a:r>
+              <a:rPr lang="en-US" altLang="ko-KR" sz="1200" u="sng"/>
+              <a:t>url</a:t>
+            </a:r>
+            <a:r>
+              <a:rPr lang="ko-KR" altLang="en-US" sz="1200" u="sng"/>
+              <a:t>이 변경되지 않는다</a:t>
+            </a:r>
+            <a:endParaRPr lang="ko-KR" altLang="en-US" sz="1200" u="sng"/>
+          </a:p>
+          <a:p>
+            <a:pPr>
+              <a:buNone/>
+              <a:defRPr lang="ko-KR" altLang="en-US"/>
+            </a:pPr>
+            <a:r>
+              <a:rPr lang="ko-KR" altLang="en-US" sz="1200"/>
+              <a:t>⦁response.sendRedirect("이동할페이지");</a:t>
+            </a:r>
+            <a:endParaRPr lang="ko-KR" altLang="en-US" sz="1200"/>
+          </a:p>
+          <a:p>
+            <a:pPr>
+              <a:buNone/>
+              <a:defRPr lang="ko-KR" altLang="en-US"/>
+            </a:pPr>
+            <a:r>
+              <a:rPr lang="ko-KR" altLang="en-US" sz="1200"/>
+              <a:t>   - </a:t>
+            </a:r>
+            <a:r>
+              <a:rPr lang="en-US" altLang="ko-KR" sz="1200"/>
+              <a:t>Redirect </a:t>
+            </a:r>
+            <a:r>
+              <a:rPr lang="ko-KR" altLang="en-US" sz="1200"/>
+              <a:t>방식으로 페이지를 이동시키면 </a:t>
+            </a:r>
+            <a:r>
+              <a:rPr lang="en-US" altLang="ko-KR" sz="1200"/>
+              <a:t>request</a:t>
+            </a:r>
+            <a:r>
+              <a:rPr lang="ko-KR" altLang="en-US" sz="1200"/>
+              <a:t>가 유지되지 않기 </a:t>
+            </a:r>
+            <a:endParaRPr lang="ko-KR" altLang="en-US" sz="1200"/>
+          </a:p>
+          <a:p>
+            <a:pPr>
+              <a:buNone/>
+              <a:defRPr lang="ko-KR" altLang="en-US"/>
+            </a:pPr>
+            <a:r>
+              <a:rPr lang="ko-KR" altLang="en-US" sz="1200"/>
+              <a:t>     때문에 값이 넘어가지 않는다. 그래서 </a:t>
+            </a:r>
+            <a:r>
+              <a:rPr lang="en-US" altLang="ko-KR" sz="1200"/>
+              <a:t>session</a:t>
+            </a:r>
+            <a:r>
+              <a:rPr lang="ko-KR" altLang="en-US" sz="1200"/>
+              <a:t>을 사용해야함</a:t>
+            </a:r>
+            <a:endParaRPr lang="ko-KR" altLang="en-US" sz="1200"/>
+          </a:p>
+        </p:txBody>
+      </p:sp>
+      <p:sp>
+        <p:nvSpPr>
+          <p:cNvPr id="7" name=""/>
+          <p:cNvSpPr/>
+          <p:nvPr/>
+        </p:nvSpPr>
+        <p:spPr>
+          <a:xfrm>
+            <a:off x="0" y="847026"/>
+            <a:ext cx="1187577" cy="267335"/>
+          </a:xfrm>
+          <a:prstGeom prst="rect">
+            <a:avLst/>
+          </a:prstGeom>
+          <a:noFill/>
+          <a:ln w="25400" cap="flat" cmpd="sng" algn="ctr">
+            <a:noFill/>
+            <a:prstDash val="solid"/>
+            <a:round/>
+          </a:ln>
+        </p:spPr>
+        <p:txBody>
+          <a:bodyPr vert="horz" anchor="t"/>
+          <a:p>
+            <a:pPr>
+              <a:defRPr lang="ko-KR" altLang="en-US"/>
+            </a:pPr>
+            <a:r>
+              <a:rPr lang="en-US" altLang="ko-KR" sz="1300" b="1">
+                <a:solidFill>
+                  <a:srgbClr val="000000"/>
+                </a:solidFill>
+                <a:latin typeface="함초롬돋움"/>
+                <a:ea typeface="함초롬돋움"/>
+              </a:rPr>
+              <a:t>Dataflow.jsp</a:t>
+            </a:r>
+            <a:endParaRPr lang="en-US" altLang="ko-KR" sz="1300" b="1">
+              <a:solidFill>
+                <a:srgbClr val="000000"/>
+              </a:solidFill>
+              <a:latin typeface="함초롬돋움"/>
+              <a:ea typeface="함초롬돋움"/>
+            </a:endParaRPr>
+          </a:p>
+        </p:txBody>
+      </p:sp>
+      <p:sp>
+        <p:nvSpPr>
+          <p:cNvPr id="8" name=""/>
+          <p:cNvSpPr/>
+          <p:nvPr/>
+        </p:nvSpPr>
+        <p:spPr>
+          <a:xfrm>
+            <a:off x="0" y="2657601"/>
+            <a:ext cx="1187577" cy="267335"/>
+          </a:xfrm>
+          <a:prstGeom prst="rect">
+            <a:avLst/>
+          </a:prstGeom>
+          <a:noFill/>
+          <a:ln w="25400" cap="flat" cmpd="sng" algn="ctr">
+            <a:noFill/>
+            <a:prstDash val="solid"/>
+            <a:round/>
+          </a:ln>
+        </p:spPr>
+        <p:txBody>
+          <a:bodyPr vert="horz" anchor="t"/>
+          <a:lstStyle/>
+          <a:p>
+            <a:pPr>
+              <a:defRPr lang="ko-KR" altLang="en-US"/>
+            </a:pPr>
+            <a:r>
+              <a:rPr lang="en-US" altLang="ko-KR" sz="1300" b="1">
+                <a:solidFill>
+                  <a:srgbClr val="000000"/>
+                </a:solidFill>
+                <a:latin typeface="함초롬돋움"/>
+                <a:ea typeface="함초롬돋움"/>
+              </a:rPr>
+              <a:t>NewFile.jsp</a:t>
+            </a:r>
+            <a:endParaRPr lang="en-US" altLang="ko-KR" sz="1300" b="1">
+              <a:solidFill>
+                <a:srgbClr val="000000"/>
+              </a:solidFill>
+              <a:latin typeface="함초롬돋움"/>
+              <a:ea typeface="함초롬돋움"/>
+            </a:endParaRPr>
+          </a:p>
+        </p:txBody>
+      </p:sp>
+      <p:sp>
+        <p:nvSpPr>
+          <p:cNvPr id="18" name=""/>
+          <p:cNvSpPr/>
+          <p:nvPr/>
+        </p:nvSpPr>
+        <p:spPr>
+          <a:xfrm>
+            <a:off x="0" y="4487036"/>
+            <a:ext cx="1187577" cy="267335"/>
+          </a:xfrm>
+          <a:prstGeom prst="rect">
+            <a:avLst/>
+          </a:prstGeom>
+          <a:noFill/>
+          <a:ln w="25400" cap="flat" cmpd="sng" algn="ctr">
+            <a:noFill/>
+            <a:prstDash val="solid"/>
+            <a:round/>
+          </a:ln>
+        </p:spPr>
+        <p:txBody>
+          <a:bodyPr vert="horz" anchor="t"/>
+          <a:lstStyle/>
+          <a:p>
+            <a:pPr>
+              <a:defRPr lang="ko-KR" altLang="en-US"/>
+            </a:pPr>
+            <a:r>
+              <a:rPr lang="ko-KR" altLang="en-US" sz="1300" b="1">
+                <a:solidFill>
+                  <a:srgbClr val="000000"/>
+                </a:solidFill>
+                <a:latin typeface="함초롬돋움"/>
+                <a:ea typeface="함초롬돋움"/>
+              </a:rPr>
+              <a:t>실행결과</a:t>
+            </a:r>
+            <a:endParaRPr lang="ko-KR" altLang="en-US" sz="1300" b="1">
+              <a:solidFill>
+                <a:srgbClr val="000000"/>
+              </a:solidFill>
+              <a:latin typeface="함초롬돋움"/>
+              <a:ea typeface="함초롬돋움"/>
+            </a:endParaRPr>
+          </a:p>
+        </p:txBody>
+      </p:sp>
+      <p:pic>
+        <p:nvPicPr>
+          <p:cNvPr id="19" name=""/>
+          <p:cNvPicPr>
+            <a:picLocks noChangeAspect="1"/>
+          </p:cNvPicPr>
+          <p:nvPr/>
+        </p:nvPicPr>
+        <p:blipFill rotWithShape="1">
+          <a:blip r:embed="rId3"/>
+          <a:stretch>
+            <a:fillRect/>
+          </a:stretch>
+        </p:blipFill>
+        <p:spPr>
+          <a:xfrm>
+            <a:off x="6519861" y="847026"/>
+            <a:ext cx="2624138" cy="3640010"/>
+          </a:xfrm>
+          <a:prstGeom prst="rect">
+            <a:avLst/>
+          </a:prstGeom>
+        </p:spPr>
+      </p:pic>
+      <p:sp>
+        <p:nvSpPr>
+          <p:cNvPr id="26" name=""/>
+          <p:cNvSpPr/>
+          <p:nvPr/>
+        </p:nvSpPr>
+        <p:spPr>
+          <a:xfrm>
+            <a:off x="9396603" y="418338"/>
+            <a:ext cx="3888486" cy="2866644"/>
+          </a:xfrm>
+          <a:prstGeom prst="rect">
+            <a:avLst/>
+          </a:prstGeom>
+          <a:solidFill>
+            <a:schemeClr val="bg1"/>
+          </a:solidFill>
+        </p:spPr>
+        <p:style>
+          <a:lnRef idx="2">
+            <a:schemeClr val="accent1">
+              <a:shade val="20000"/>
+            </a:schemeClr>
+          </a:lnRef>
+          <a:fillRef idx="1">
+            <a:schemeClr val="accent1"/>
+          </a:fillRef>
+          <a:effectRef idx="0">
+            <a:schemeClr val="accent1"/>
+          </a:effectRef>
+          <a:fontRef idx="minor">
+            <a:schemeClr val="lt1"/>
+          </a:fontRef>
+        </p:style>
+        <p:txBody>
+          <a:bodyPr vert="horz" wrap="square" lIns="91440" tIns="45720" rIns="91440" bIns="45720" anchor="ctr">
+            <a:noAutofit/>
+          </a:bodyPr>
+          <a:lstStyle/>
+          <a:p>
+            <a:pPr>
+              <a:defRPr lang="ko-KR" altLang="en-US"/>
+            </a:pPr>
+            <a:r>
+              <a:rPr lang="en-US" altLang="ko-KR" sz="1600">
+                <a:solidFill>
+                  <a:schemeClr val="tx1"/>
+                </a:solidFill>
+              </a:rPr>
+              <a:t>request.setParameter()</a:t>
+            </a:r>
+            <a:r>
+              <a:rPr lang="ko-KR" altLang="en-US" sz="1600">
+                <a:solidFill>
+                  <a:schemeClr val="tx1"/>
+                </a:solidFill>
+              </a:rPr>
+              <a:t>;  존재하지 않음</a:t>
+            </a:r>
+            <a:endParaRPr lang="ko-KR" altLang="en-US" sz="1600">
+              <a:solidFill>
+                <a:schemeClr val="tx1"/>
+              </a:solidFill>
+            </a:endParaRPr>
+          </a:p>
+          <a:p>
+            <a:pPr>
+              <a:defRPr lang="ko-KR" altLang="en-US"/>
+            </a:pPr>
+            <a:r>
+              <a:rPr lang="en-US" altLang="ko-KR" sz="1600">
+                <a:solidFill>
+                  <a:schemeClr val="tx1"/>
+                </a:solidFill>
+              </a:rPr>
+              <a:t>request.getParameter("</a:t>
+            </a:r>
+            <a:r>
+              <a:rPr lang="ko-KR" altLang="en-US" sz="1600">
+                <a:solidFill>
+                  <a:schemeClr val="tx1"/>
+                </a:solidFill>
+              </a:rPr>
+              <a:t>변수명") 은</a:t>
+            </a:r>
+            <a:endParaRPr lang="ko-KR" altLang="en-US" sz="1600">
+              <a:solidFill>
+                <a:schemeClr val="tx1"/>
+              </a:solidFill>
+            </a:endParaRPr>
+          </a:p>
+          <a:p>
+            <a:pPr>
+              <a:defRPr lang="ko-KR" altLang="en-US"/>
+            </a:pPr>
+            <a:r>
+              <a:rPr lang="en-US" altLang="ko-KR" sz="1600">
+                <a:solidFill>
+                  <a:schemeClr val="tx1"/>
+                </a:solidFill>
+              </a:rPr>
+              <a:t>String </a:t>
+            </a:r>
+            <a:r>
+              <a:rPr lang="ko-KR" altLang="en-US" sz="1600">
+                <a:solidFill>
+                  <a:schemeClr val="tx1"/>
+                </a:solidFill>
+              </a:rPr>
+              <a:t>형을 반환해준다.</a:t>
+            </a:r>
+            <a:endParaRPr lang="ko-KR" altLang="en-US" sz="1600">
+              <a:solidFill>
+                <a:schemeClr val="tx1"/>
+              </a:solidFill>
+            </a:endParaRPr>
+          </a:p>
+          <a:p>
+            <a:pPr>
+              <a:defRPr lang="ko-KR" altLang="en-US"/>
+            </a:pPr>
+            <a:endParaRPr lang="ko-KR" altLang="en-US" sz="1600">
+              <a:solidFill>
+                <a:schemeClr val="tx1"/>
+              </a:solidFill>
+            </a:endParaRPr>
+          </a:p>
+          <a:p>
+            <a:pPr>
+              <a:defRPr lang="ko-KR" altLang="en-US"/>
+            </a:pPr>
+            <a:r>
+              <a:rPr lang="en-US" altLang="ko-KR" sz="1600">
+                <a:solidFill>
+                  <a:schemeClr val="tx1"/>
+                </a:solidFill>
+              </a:rPr>
+              <a:t>request.setAttribute("</a:t>
+            </a:r>
+            <a:r>
+              <a:rPr lang="ko-KR" altLang="en-US" sz="1600">
+                <a:solidFill>
+                  <a:schemeClr val="tx1"/>
+                </a:solidFill>
+              </a:rPr>
+              <a:t>변수명", 객체);</a:t>
+            </a:r>
+            <a:endParaRPr lang="ko-KR" altLang="en-US" sz="1600">
+              <a:solidFill>
+                <a:schemeClr val="tx1"/>
+              </a:solidFill>
+            </a:endParaRPr>
+          </a:p>
+          <a:p>
+            <a:pPr>
+              <a:defRPr lang="ko-KR" altLang="en-US"/>
+            </a:pPr>
+            <a:r>
+              <a:rPr lang="en-US" altLang="ko-KR" sz="1600">
+                <a:solidFill>
+                  <a:schemeClr val="tx1"/>
+                </a:solidFill>
+              </a:rPr>
+              <a:t>session.setAttribute("</a:t>
+            </a:r>
+            <a:r>
+              <a:rPr lang="ko-KR" altLang="en-US" sz="1600">
+                <a:solidFill>
+                  <a:schemeClr val="tx1"/>
+                </a:solidFill>
+              </a:rPr>
+              <a:t>변수명", 객체);</a:t>
+            </a:r>
+            <a:endParaRPr lang="ko-KR" altLang="en-US" sz="1600">
+              <a:solidFill>
+                <a:schemeClr val="tx1"/>
+              </a:solidFill>
+            </a:endParaRPr>
+          </a:p>
+          <a:p>
+            <a:pPr>
+              <a:defRPr lang="ko-KR" altLang="en-US"/>
+            </a:pPr>
+            <a:endParaRPr lang="ko-KR" altLang="en-US" sz="1600">
+              <a:solidFill>
+                <a:schemeClr val="tx1"/>
+              </a:solidFill>
+            </a:endParaRPr>
+          </a:p>
+          <a:p>
+            <a:pPr>
+              <a:defRPr lang="ko-KR" altLang="en-US"/>
+            </a:pPr>
+            <a:r>
+              <a:rPr lang="en-US" altLang="ko-KR" sz="1600">
+                <a:solidFill>
+                  <a:schemeClr val="tx1"/>
+                </a:solidFill>
+              </a:rPr>
+              <a:t>request.getAttribute("</a:t>
+            </a:r>
+            <a:r>
+              <a:rPr lang="ko-KR" altLang="en-US" sz="1600">
+                <a:solidFill>
+                  <a:schemeClr val="tx1"/>
+                </a:solidFill>
+              </a:rPr>
+              <a:t>변수명") 은</a:t>
+            </a:r>
+            <a:endParaRPr lang="ko-KR" altLang="en-US" sz="1600">
+              <a:solidFill>
+                <a:schemeClr val="tx1"/>
+              </a:solidFill>
+            </a:endParaRPr>
+          </a:p>
+          <a:p>
+            <a:pPr>
+              <a:defRPr lang="ko-KR" altLang="en-US"/>
+            </a:pPr>
+            <a:r>
+              <a:rPr lang="en-US" altLang="ko-KR" sz="1600">
+                <a:solidFill>
+                  <a:schemeClr val="tx1"/>
+                </a:solidFill>
+              </a:rPr>
+              <a:t>Object</a:t>
+            </a:r>
+            <a:r>
+              <a:rPr lang="ko-KR" altLang="en-US" sz="1600">
+                <a:solidFill>
+                  <a:schemeClr val="tx1"/>
+                </a:solidFill>
+              </a:rPr>
+              <a:t> 형을 반환하기 때문에 형변환必</a:t>
+            </a:r>
+            <a:endParaRPr lang="ko-KR" altLang="en-US" sz="1600">
+              <a:solidFill>
+                <a:schemeClr val="tx1"/>
+              </a:solidFill>
+            </a:endParaRPr>
+          </a:p>
+          <a:p>
+            <a:pPr>
+              <a:defRPr lang="ko-KR" altLang="en-US"/>
+            </a:pPr>
+            <a:r>
+              <a:rPr lang="en-US" altLang="ko-KR" sz="1600">
+                <a:solidFill>
+                  <a:schemeClr val="tx1"/>
+                </a:solidFill>
+              </a:rPr>
+              <a:t>session.getAttribute() </a:t>
+            </a:r>
+            <a:r>
+              <a:rPr lang="ko-KR" altLang="en-US" sz="1600">
+                <a:solidFill>
+                  <a:schemeClr val="tx1"/>
+                </a:solidFill>
+              </a:rPr>
+              <a:t>도 동일</a:t>
+            </a:r>
+            <a:endParaRPr lang="ko-KR" altLang="en-US" sz="1600">
+              <a:solidFill>
+                <a:schemeClr val="tx1"/>
+              </a:solidFill>
+            </a:endParaRPr>
+          </a:p>
+          <a:p>
+            <a:pPr>
+              <a:defRPr lang="ko-KR" altLang="en-US"/>
+            </a:pPr>
+            <a:endParaRPr lang="ko-KR" altLang="en-US" sz="1600">
+              <a:solidFill>
+                <a:schemeClr val="tx1"/>
+              </a:solidFill>
+            </a:endParaRPr>
+          </a:p>
+        </p:txBody>
+      </p:sp>
+      <p:pic>
+        <p:nvPicPr>
+          <p:cNvPr id="27" name=""/>
+          <p:cNvPicPr>
+            <a:picLocks noChangeAspect="1"/>
+          </p:cNvPicPr>
+          <p:nvPr/>
+        </p:nvPicPr>
+        <p:blipFill rotWithShape="1">
+          <a:blip r:embed="rId4"/>
+          <a:stretch>
+            <a:fillRect/>
+          </a:stretch>
+        </p:blipFill>
+        <p:spPr>
+          <a:xfrm>
+            <a:off x="0" y="1114361"/>
+            <a:ext cx="6519861" cy="1543240"/>
+          </a:xfrm>
+          <a:prstGeom prst="rect">
+            <a:avLst/>
+          </a:prstGeom>
+        </p:spPr>
+      </p:pic>
+      <p:pic>
+        <p:nvPicPr>
+          <p:cNvPr id="28" name=""/>
+          <p:cNvPicPr>
+            <a:picLocks noChangeAspect="1"/>
+          </p:cNvPicPr>
+          <p:nvPr/>
+        </p:nvPicPr>
+        <p:blipFill rotWithShape="1">
+          <a:blip r:embed="rId5"/>
+          <a:stretch>
+            <a:fillRect/>
+          </a:stretch>
+        </p:blipFill>
+        <p:spPr>
+          <a:xfrm>
+            <a:off x="0" y="2924936"/>
+            <a:ext cx="6519861" cy="1562100"/>
+          </a:xfrm>
+          <a:prstGeom prst="rect">
+            <a:avLst/>
+          </a:prstGeom>
+        </p:spPr>
+      </p:pic>
+      <p:pic>
+        <p:nvPicPr>
+          <p:cNvPr id="29" name=""/>
+          <p:cNvPicPr>
+            <a:picLocks noChangeAspect="1"/>
+          </p:cNvPicPr>
+          <p:nvPr/>
+        </p:nvPicPr>
+        <p:blipFill rotWithShape="1">
+          <a:blip r:embed="rId6"/>
+          <a:stretch>
+            <a:fillRect/>
+          </a:stretch>
+        </p:blipFill>
+        <p:spPr>
+          <a:xfrm>
+            <a:off x="0" y="4754371"/>
+            <a:ext cx="3790950" cy="1038225"/>
+          </a:xfrm>
+          <a:prstGeom prst="rect">
+            <a:avLst/>
+          </a:prstGeom>
+        </p:spPr>
+      </p:pic>
+      <p:sp>
+        <p:nvSpPr>
+          <p:cNvPr id="30" name=""/>
+          <p:cNvSpPr/>
+          <p:nvPr/>
+        </p:nvSpPr>
+        <p:spPr>
+          <a:xfrm>
+            <a:off x="-3852000" y="3429000"/>
+            <a:ext cx="2808000" cy="1728000"/>
+          </a:xfrm>
+          <a:prstGeom prst="rect">
+            <a:avLst/>
+          </a:prstGeom>
+          <a:solidFill>
+            <a:schemeClr val="bg1"/>
+          </a:solidFill>
+        </p:spPr>
+        <p:style>
+          <a:lnRef idx="2">
+            <a:schemeClr val="accent1">
+              <a:shade val="20000"/>
+            </a:schemeClr>
+          </a:lnRef>
+          <a:fillRef idx="1">
+            <a:schemeClr val="accent1"/>
+          </a:fillRef>
+          <a:effectRef idx="0">
+            <a:schemeClr val="accent1"/>
+          </a:effectRef>
+          <a:fontRef idx="minor">
+            <a:schemeClr val="lt1"/>
+          </a:fontRef>
+        </p:style>
+        <p:txBody>
+          <a:bodyPr vert="horz" wrap="square" lIns="91440" tIns="45720" rIns="91440" bIns="45720" anchor="ctr">
+            <a:noAutofit/>
+          </a:bodyPr>
+          <a:lstStyle/>
+          <a:p>
+            <a:pPr algn="ctr">
+              <a:defRPr lang="ko-KR" altLang="en-US"/>
+            </a:pPr>
+            <a:r>
+              <a:rPr lang="ko-KR" altLang="en-US" sz="1600">
+                <a:solidFill>
+                  <a:schemeClr val="tx1"/>
+                </a:solidFill>
+              </a:rPr>
+              <a:t>그러나 </a:t>
+            </a:r>
+            <a:r>
+              <a:rPr lang="en-US" altLang="ko-KR" sz="1600">
+                <a:solidFill>
+                  <a:schemeClr val="tx1"/>
+                </a:solidFill>
+              </a:rPr>
+              <a:t>session</a:t>
+            </a:r>
+            <a:r>
+              <a:rPr lang="ko-KR" altLang="en-US" sz="1600">
+                <a:solidFill>
+                  <a:schemeClr val="tx1"/>
+                </a:solidFill>
+              </a:rPr>
+              <a:t> 방식은</a:t>
+            </a:r>
+            <a:endParaRPr lang="ko-KR" altLang="en-US" sz="1600">
+              <a:solidFill>
+                <a:schemeClr val="tx1"/>
+              </a:solidFill>
+            </a:endParaRPr>
+          </a:p>
+          <a:p>
+            <a:pPr algn="ctr">
+              <a:defRPr lang="ko-KR" altLang="en-US"/>
+            </a:pPr>
+            <a:r>
+              <a:rPr lang="ko-KR" altLang="en-US" sz="1600">
+                <a:solidFill>
+                  <a:schemeClr val="tx1"/>
+                </a:solidFill>
+              </a:rPr>
+              <a:t>웹 서버 쪽의 웹 컨테이너에 상태를 유지하기 위한 정보를 저장한다. 그렇기 때문에</a:t>
+            </a:r>
+            <a:endParaRPr lang="ko-KR" altLang="en-US" sz="1600">
+              <a:solidFill>
+                <a:schemeClr val="tx1"/>
+              </a:solidFill>
+            </a:endParaRPr>
+          </a:p>
+          <a:p>
+            <a:pPr algn="ctr">
+              <a:defRPr lang="ko-KR" altLang="en-US"/>
+            </a:pPr>
+            <a:r>
+              <a:rPr lang="ko-KR" altLang="en-US" sz="1600">
+                <a:solidFill>
+                  <a:schemeClr val="tx1"/>
+                </a:solidFill>
+              </a:rPr>
+              <a:t>주로 로그인 정보를 유지시키위해 사용되는 방식임</a:t>
+            </a:r>
+            <a:endParaRPr lang="ko-KR" altLang="en-US" sz="1600">
+              <a:solidFill>
+                <a:schemeClr val="tx1"/>
+              </a:solidFill>
+            </a:endParaRPr>
+          </a:p>
+          <a:p>
+            <a:pPr algn="ctr">
+              <a:defRPr lang="ko-KR" altLang="en-US"/>
+            </a:pPr>
+            <a:endParaRPr lang="ko-KR" altLang="en-US" sz="1600">
+              <a:solidFill>
+                <a:schemeClr val="tx1"/>
+              </a:solidFill>
+            </a:endParaRPr>
+          </a:p>
+        </p:txBody>
+      </p:sp>
+    </p:spTree>
+  </p:cSld>
+  <p:clrMapOvr>
+    <a:masterClrMapping/>
+  </p:clrMapOvr>
+  <p:transition xmlns:mc="http://schemas.openxmlformats.org/markup-compatibility/2006" xmlns:hp="http://schemas.haansoft.com/office/presentation/8.0" mc:Ignorable="hp" hp:hslDur="500"/>
+</p:sld>
+</file>
+
+<file path=ppt/slides/slide8.xml><?xml version="1.0" encoding="utf-8"?>
 <p:sld xmlns:r="http://schemas.openxmlformats.org/officeDocument/2006/relationships" xmlns:c="http://schemas.openxmlformats.org/drawingml/2006/chart" xmlns:a="http://schemas.openxmlformats.org/drawingml/2006/main" xmlns:dgm="http://schemas.openxmlformats.org/drawingml/2006/diagram" xmlns:dsp="http://schemas.microsoft.com/office/drawing/2008/diagram" xmlns:p="http://schemas.openxmlformats.org/presentationml/2006/main">
   <p:cSld>
     <p:spTree>
